--- a/ppt 16-9/1588.生命河流.pptx
+++ b/ppt 16-9/1588.生命河流.pptx
@@ -129,7 +129,7 @@
           <p:cNvPr id="2" name="标题 1">
             <a:extLst>
               <a:ext uri="{FF2B5EF4-FFF2-40B4-BE49-F238E27FC236}">
-                <a16:creationId xmlns:a16="http://schemas.microsoft.com/office/drawing/2014/main" id="{E026D693-91BB-F18A-D6B4-4A67FB745DCC}"/>
+                <a16:creationId xmlns:a16="http://schemas.microsoft.com/office/drawing/2014/main" id="{93AB2C51-B559-DBEA-1124-AF91E35AF73C}"/>
               </a:ext>
             </a:extLst>
           </p:cNvPr>
@@ -166,7 +166,7 @@
           <p:cNvPr id="3" name="副标题 2">
             <a:extLst>
               <a:ext uri="{FF2B5EF4-FFF2-40B4-BE49-F238E27FC236}">
-                <a16:creationId xmlns:a16="http://schemas.microsoft.com/office/drawing/2014/main" id="{216F61BF-2240-3BD3-9FB0-2DF25A76DD97}"/>
+                <a16:creationId xmlns:a16="http://schemas.microsoft.com/office/drawing/2014/main" id="{B7AF0181-9EA1-EEFB-0F9F-2E41AABE5270}"/>
               </a:ext>
             </a:extLst>
           </p:cNvPr>
@@ -236,7 +236,7 @@
           <p:cNvPr id="4" name="日期占位符 3">
             <a:extLst>
               <a:ext uri="{FF2B5EF4-FFF2-40B4-BE49-F238E27FC236}">
-                <a16:creationId xmlns:a16="http://schemas.microsoft.com/office/drawing/2014/main" id="{FA7F1E6F-A4CA-E336-332B-26923B4F98D3}"/>
+                <a16:creationId xmlns:a16="http://schemas.microsoft.com/office/drawing/2014/main" id="{B5BB9A30-50DB-4AF3-E23C-46C7CF0B012D}"/>
               </a:ext>
             </a:extLst>
           </p:cNvPr>
@@ -252,7 +252,7 @@
           <a:bodyPr/>
           <a:lstStyle/>
           <a:p>
-            <a:fld id="{160E5976-6072-4890-8745-DE0886821B06}" type="datetimeFigureOut">
+            <a:fld id="{2B3D59FE-91AD-41A2-A36F-71E7067026DB}" type="datetimeFigureOut">
               <a:rPr lang="zh-CN" altLang="en-US" smtClean="0"/>
               <a:t>2024/3/10</a:t>
             </a:fld>
@@ -265,7 +265,7 @@
           <p:cNvPr id="5" name="页脚占位符 4">
             <a:extLst>
               <a:ext uri="{FF2B5EF4-FFF2-40B4-BE49-F238E27FC236}">
-                <a16:creationId xmlns:a16="http://schemas.microsoft.com/office/drawing/2014/main" id="{8D7D3DD1-138D-1549-DBA4-AC075A18F624}"/>
+                <a16:creationId xmlns:a16="http://schemas.microsoft.com/office/drawing/2014/main" id="{FAB4D008-D2F0-C86C-FDD4-D3795F7A3794}"/>
               </a:ext>
             </a:extLst>
           </p:cNvPr>
@@ -290,7 +290,7 @@
           <p:cNvPr id="6" name="灯片编号占位符 5">
             <a:extLst>
               <a:ext uri="{FF2B5EF4-FFF2-40B4-BE49-F238E27FC236}">
-                <a16:creationId xmlns:a16="http://schemas.microsoft.com/office/drawing/2014/main" id="{F692AA9F-BECE-651F-6A84-A7F9E7039E0E}"/>
+                <a16:creationId xmlns:a16="http://schemas.microsoft.com/office/drawing/2014/main" id="{43BF87FA-0B8C-071D-C6A7-7BC51CF86248}"/>
               </a:ext>
             </a:extLst>
           </p:cNvPr>
@@ -306,7 +306,7 @@
           <a:bodyPr/>
           <a:lstStyle/>
           <a:p>
-            <a:fld id="{DF5B50C6-63D2-4DDF-83AB-CCE1D7DDB77B}" type="slidenum">
+            <a:fld id="{008F7F3B-A61B-4262-AF4A-E18DC578ABB6}" type="slidenum">
               <a:rPr lang="zh-CN" altLang="en-US" smtClean="0"/>
               <a:t>‹#›</a:t>
             </a:fld>
@@ -317,7 +317,7 @@
     </p:spTree>
     <p:extLst>
       <p:ext uri="{BB962C8B-B14F-4D97-AF65-F5344CB8AC3E}">
-        <p14:creationId xmlns:p14="http://schemas.microsoft.com/office/powerpoint/2010/main" val="2521439841"/>
+        <p14:creationId xmlns:p14="http://schemas.microsoft.com/office/powerpoint/2010/main" val="4221152861"/>
       </p:ext>
     </p:extLst>
   </p:cSld>
@@ -349,7 +349,7 @@
           <p:cNvPr id="2" name="标题 1">
             <a:extLst>
               <a:ext uri="{FF2B5EF4-FFF2-40B4-BE49-F238E27FC236}">
-                <a16:creationId xmlns:a16="http://schemas.microsoft.com/office/drawing/2014/main" id="{DF4F93BF-0913-3A80-CBA6-AC88214EE7B6}"/>
+                <a16:creationId xmlns:a16="http://schemas.microsoft.com/office/drawing/2014/main" id="{E46D73B2-DA8B-2A91-5AF7-706B249F6963}"/>
               </a:ext>
             </a:extLst>
           </p:cNvPr>
@@ -377,7 +377,7 @@
           <p:cNvPr id="3" name="竖排文字占位符 2">
             <a:extLst>
               <a:ext uri="{FF2B5EF4-FFF2-40B4-BE49-F238E27FC236}">
-                <a16:creationId xmlns:a16="http://schemas.microsoft.com/office/drawing/2014/main" id="{5711FC3B-0E5D-FA6A-31EC-9AFE4BF56EBA}"/>
+                <a16:creationId xmlns:a16="http://schemas.microsoft.com/office/drawing/2014/main" id="{385461B7-C0FC-3FF9-EE25-828C6A202E54}"/>
               </a:ext>
             </a:extLst>
           </p:cNvPr>
@@ -434,7 +434,7 @@
           <p:cNvPr id="4" name="日期占位符 3">
             <a:extLst>
               <a:ext uri="{FF2B5EF4-FFF2-40B4-BE49-F238E27FC236}">
-                <a16:creationId xmlns:a16="http://schemas.microsoft.com/office/drawing/2014/main" id="{AF0A0A6E-79EE-70AD-FAE9-2846E7787F17}"/>
+                <a16:creationId xmlns:a16="http://schemas.microsoft.com/office/drawing/2014/main" id="{C9777059-212C-C462-8E86-3BCC90744A38}"/>
               </a:ext>
             </a:extLst>
           </p:cNvPr>
@@ -450,7 +450,7 @@
           <a:bodyPr/>
           <a:lstStyle/>
           <a:p>
-            <a:fld id="{160E5976-6072-4890-8745-DE0886821B06}" type="datetimeFigureOut">
+            <a:fld id="{2B3D59FE-91AD-41A2-A36F-71E7067026DB}" type="datetimeFigureOut">
               <a:rPr lang="zh-CN" altLang="en-US" smtClean="0"/>
               <a:t>2024/3/10</a:t>
             </a:fld>
@@ -463,7 +463,7 @@
           <p:cNvPr id="5" name="页脚占位符 4">
             <a:extLst>
               <a:ext uri="{FF2B5EF4-FFF2-40B4-BE49-F238E27FC236}">
-                <a16:creationId xmlns:a16="http://schemas.microsoft.com/office/drawing/2014/main" id="{7147A907-2F53-2D5A-D54A-026DCC0E6C9E}"/>
+                <a16:creationId xmlns:a16="http://schemas.microsoft.com/office/drawing/2014/main" id="{F1E26690-2758-B20A-E8A2-938C785A3EBD}"/>
               </a:ext>
             </a:extLst>
           </p:cNvPr>
@@ -488,7 +488,7 @@
           <p:cNvPr id="6" name="灯片编号占位符 5">
             <a:extLst>
               <a:ext uri="{FF2B5EF4-FFF2-40B4-BE49-F238E27FC236}">
-                <a16:creationId xmlns:a16="http://schemas.microsoft.com/office/drawing/2014/main" id="{E482DB85-3648-C415-3F3E-7DF91E4091E7}"/>
+                <a16:creationId xmlns:a16="http://schemas.microsoft.com/office/drawing/2014/main" id="{E3FFDFB9-0FB6-3797-ADF5-83586B5FAE58}"/>
               </a:ext>
             </a:extLst>
           </p:cNvPr>
@@ -504,7 +504,7 @@
           <a:bodyPr/>
           <a:lstStyle/>
           <a:p>
-            <a:fld id="{DF5B50C6-63D2-4DDF-83AB-CCE1D7DDB77B}" type="slidenum">
+            <a:fld id="{008F7F3B-A61B-4262-AF4A-E18DC578ABB6}" type="slidenum">
               <a:rPr lang="zh-CN" altLang="en-US" smtClean="0"/>
               <a:t>‹#›</a:t>
             </a:fld>
@@ -515,7 +515,7 @@
     </p:spTree>
     <p:extLst>
       <p:ext uri="{BB962C8B-B14F-4D97-AF65-F5344CB8AC3E}">
-        <p14:creationId xmlns:p14="http://schemas.microsoft.com/office/powerpoint/2010/main" val="4074667650"/>
+        <p14:creationId xmlns:p14="http://schemas.microsoft.com/office/powerpoint/2010/main" val="2809320081"/>
       </p:ext>
     </p:extLst>
   </p:cSld>
@@ -547,7 +547,7 @@
           <p:cNvPr id="2" name="竖排标题 1">
             <a:extLst>
               <a:ext uri="{FF2B5EF4-FFF2-40B4-BE49-F238E27FC236}">
-                <a16:creationId xmlns:a16="http://schemas.microsoft.com/office/drawing/2014/main" id="{463C9C85-7A42-4BDB-E052-2866DA3B6239}"/>
+                <a16:creationId xmlns:a16="http://schemas.microsoft.com/office/drawing/2014/main" id="{74ECA3EE-64BC-1E4A-39B2-A9642CB5C4C7}"/>
               </a:ext>
             </a:extLst>
           </p:cNvPr>
@@ -580,7 +580,7 @@
           <p:cNvPr id="3" name="竖排文字占位符 2">
             <a:extLst>
               <a:ext uri="{FF2B5EF4-FFF2-40B4-BE49-F238E27FC236}">
-                <a16:creationId xmlns:a16="http://schemas.microsoft.com/office/drawing/2014/main" id="{D4AB3AE1-AE54-0218-71AB-26936141EFC6}"/>
+                <a16:creationId xmlns:a16="http://schemas.microsoft.com/office/drawing/2014/main" id="{49E54FD1-D015-BB09-38D3-8876369ED62E}"/>
               </a:ext>
             </a:extLst>
           </p:cNvPr>
@@ -642,7 +642,7 @@
           <p:cNvPr id="4" name="日期占位符 3">
             <a:extLst>
               <a:ext uri="{FF2B5EF4-FFF2-40B4-BE49-F238E27FC236}">
-                <a16:creationId xmlns:a16="http://schemas.microsoft.com/office/drawing/2014/main" id="{3867FE99-550E-0C0B-B255-F95AD34F5AF0}"/>
+                <a16:creationId xmlns:a16="http://schemas.microsoft.com/office/drawing/2014/main" id="{0CC63D92-D3F6-7B41-A005-40BB425C1DFF}"/>
               </a:ext>
             </a:extLst>
           </p:cNvPr>
@@ -658,7 +658,7 @@
           <a:bodyPr/>
           <a:lstStyle/>
           <a:p>
-            <a:fld id="{160E5976-6072-4890-8745-DE0886821B06}" type="datetimeFigureOut">
+            <a:fld id="{2B3D59FE-91AD-41A2-A36F-71E7067026DB}" type="datetimeFigureOut">
               <a:rPr lang="zh-CN" altLang="en-US" smtClean="0"/>
               <a:t>2024/3/10</a:t>
             </a:fld>
@@ -671,7 +671,7 @@
           <p:cNvPr id="5" name="页脚占位符 4">
             <a:extLst>
               <a:ext uri="{FF2B5EF4-FFF2-40B4-BE49-F238E27FC236}">
-                <a16:creationId xmlns:a16="http://schemas.microsoft.com/office/drawing/2014/main" id="{4EF7E9E4-18F8-89FE-50EC-BA4FF42DB1E4}"/>
+                <a16:creationId xmlns:a16="http://schemas.microsoft.com/office/drawing/2014/main" id="{A9628847-438B-5D92-4F1D-91D4D3400953}"/>
               </a:ext>
             </a:extLst>
           </p:cNvPr>
@@ -696,7 +696,7 @@
           <p:cNvPr id="6" name="灯片编号占位符 5">
             <a:extLst>
               <a:ext uri="{FF2B5EF4-FFF2-40B4-BE49-F238E27FC236}">
-                <a16:creationId xmlns:a16="http://schemas.microsoft.com/office/drawing/2014/main" id="{6DBD8EC7-3D8F-DB20-7801-49DF478EDF80}"/>
+                <a16:creationId xmlns:a16="http://schemas.microsoft.com/office/drawing/2014/main" id="{C4C026BD-622C-83F1-EED6-2C11262C3CF1}"/>
               </a:ext>
             </a:extLst>
           </p:cNvPr>
@@ -712,7 +712,7 @@
           <a:bodyPr/>
           <a:lstStyle/>
           <a:p>
-            <a:fld id="{DF5B50C6-63D2-4DDF-83AB-CCE1D7DDB77B}" type="slidenum">
+            <a:fld id="{008F7F3B-A61B-4262-AF4A-E18DC578ABB6}" type="slidenum">
               <a:rPr lang="zh-CN" altLang="en-US" smtClean="0"/>
               <a:t>‹#›</a:t>
             </a:fld>
@@ -723,7 +723,7 @@
     </p:spTree>
     <p:extLst>
       <p:ext uri="{BB962C8B-B14F-4D97-AF65-F5344CB8AC3E}">
-        <p14:creationId xmlns:p14="http://schemas.microsoft.com/office/powerpoint/2010/main" val="4206226359"/>
+        <p14:creationId xmlns:p14="http://schemas.microsoft.com/office/powerpoint/2010/main" val="2055444957"/>
       </p:ext>
     </p:extLst>
   </p:cSld>
@@ -755,7 +755,7 @@
           <p:cNvPr id="2" name="标题 1">
             <a:extLst>
               <a:ext uri="{FF2B5EF4-FFF2-40B4-BE49-F238E27FC236}">
-                <a16:creationId xmlns:a16="http://schemas.microsoft.com/office/drawing/2014/main" id="{DAAACCE6-377B-2B77-B0AD-BFEE8066C2E6}"/>
+                <a16:creationId xmlns:a16="http://schemas.microsoft.com/office/drawing/2014/main" id="{4B779861-25D7-24C5-E997-275462061E17}"/>
               </a:ext>
             </a:extLst>
           </p:cNvPr>
@@ -783,7 +783,7 @@
           <p:cNvPr id="3" name="内容占位符 2">
             <a:extLst>
               <a:ext uri="{FF2B5EF4-FFF2-40B4-BE49-F238E27FC236}">
-                <a16:creationId xmlns:a16="http://schemas.microsoft.com/office/drawing/2014/main" id="{9D7AB699-1AF1-5A89-58F8-D09B6CAF3C87}"/>
+                <a16:creationId xmlns:a16="http://schemas.microsoft.com/office/drawing/2014/main" id="{C6195F5B-719A-F0E7-09FD-63441FBC4755}"/>
               </a:ext>
             </a:extLst>
           </p:cNvPr>
@@ -840,7 +840,7 @@
           <p:cNvPr id="4" name="日期占位符 3">
             <a:extLst>
               <a:ext uri="{FF2B5EF4-FFF2-40B4-BE49-F238E27FC236}">
-                <a16:creationId xmlns:a16="http://schemas.microsoft.com/office/drawing/2014/main" id="{68AEDE2F-D99E-3AED-ECA8-D72ACB788B78}"/>
+                <a16:creationId xmlns:a16="http://schemas.microsoft.com/office/drawing/2014/main" id="{18A38F50-2EDC-16D0-8D34-1DA525D3F387}"/>
               </a:ext>
             </a:extLst>
           </p:cNvPr>
@@ -856,7 +856,7 @@
           <a:bodyPr/>
           <a:lstStyle/>
           <a:p>
-            <a:fld id="{160E5976-6072-4890-8745-DE0886821B06}" type="datetimeFigureOut">
+            <a:fld id="{2B3D59FE-91AD-41A2-A36F-71E7067026DB}" type="datetimeFigureOut">
               <a:rPr lang="zh-CN" altLang="en-US" smtClean="0"/>
               <a:t>2024/3/10</a:t>
             </a:fld>
@@ -869,7 +869,7 @@
           <p:cNvPr id="5" name="页脚占位符 4">
             <a:extLst>
               <a:ext uri="{FF2B5EF4-FFF2-40B4-BE49-F238E27FC236}">
-                <a16:creationId xmlns:a16="http://schemas.microsoft.com/office/drawing/2014/main" id="{9E919B70-B878-50E6-2585-9D29EACE109D}"/>
+                <a16:creationId xmlns:a16="http://schemas.microsoft.com/office/drawing/2014/main" id="{777BE2DA-1137-10F6-773E-EAA0686EA9B5}"/>
               </a:ext>
             </a:extLst>
           </p:cNvPr>
@@ -894,7 +894,7 @@
           <p:cNvPr id="6" name="灯片编号占位符 5">
             <a:extLst>
               <a:ext uri="{FF2B5EF4-FFF2-40B4-BE49-F238E27FC236}">
-                <a16:creationId xmlns:a16="http://schemas.microsoft.com/office/drawing/2014/main" id="{3CBF0833-6BF4-97A3-9C4C-792E15AEBFDE}"/>
+                <a16:creationId xmlns:a16="http://schemas.microsoft.com/office/drawing/2014/main" id="{8822099F-4787-713C-01A5-7672F1BADB84}"/>
               </a:ext>
             </a:extLst>
           </p:cNvPr>
@@ -910,7 +910,7 @@
           <a:bodyPr/>
           <a:lstStyle/>
           <a:p>
-            <a:fld id="{DF5B50C6-63D2-4DDF-83AB-CCE1D7DDB77B}" type="slidenum">
+            <a:fld id="{008F7F3B-A61B-4262-AF4A-E18DC578ABB6}" type="slidenum">
               <a:rPr lang="zh-CN" altLang="en-US" smtClean="0"/>
               <a:t>‹#›</a:t>
             </a:fld>
@@ -921,7 +921,7 @@
     </p:spTree>
     <p:extLst>
       <p:ext uri="{BB962C8B-B14F-4D97-AF65-F5344CB8AC3E}">
-        <p14:creationId xmlns:p14="http://schemas.microsoft.com/office/powerpoint/2010/main" val="417441504"/>
+        <p14:creationId xmlns:p14="http://schemas.microsoft.com/office/powerpoint/2010/main" val="1485564074"/>
       </p:ext>
     </p:extLst>
   </p:cSld>
@@ -953,7 +953,7 @@
           <p:cNvPr id="2" name="标题 1">
             <a:extLst>
               <a:ext uri="{FF2B5EF4-FFF2-40B4-BE49-F238E27FC236}">
-                <a16:creationId xmlns:a16="http://schemas.microsoft.com/office/drawing/2014/main" id="{83387586-4090-BA75-E5D6-4882F5F92DD1}"/>
+                <a16:creationId xmlns:a16="http://schemas.microsoft.com/office/drawing/2014/main" id="{910888EF-8EB8-0D4D-3F14-AE7598E5FEBF}"/>
               </a:ext>
             </a:extLst>
           </p:cNvPr>
@@ -990,7 +990,7 @@
           <p:cNvPr id="3" name="文本占位符 2">
             <a:extLst>
               <a:ext uri="{FF2B5EF4-FFF2-40B4-BE49-F238E27FC236}">
-                <a16:creationId xmlns:a16="http://schemas.microsoft.com/office/drawing/2014/main" id="{B0C62FB7-82C9-9A1B-DFFD-54BC2D466B48}"/>
+                <a16:creationId xmlns:a16="http://schemas.microsoft.com/office/drawing/2014/main" id="{80D1658D-8B30-7751-56B7-D79563847CB9}"/>
               </a:ext>
             </a:extLst>
           </p:cNvPr>
@@ -1115,7 +1115,7 @@
           <p:cNvPr id="4" name="日期占位符 3">
             <a:extLst>
               <a:ext uri="{FF2B5EF4-FFF2-40B4-BE49-F238E27FC236}">
-                <a16:creationId xmlns:a16="http://schemas.microsoft.com/office/drawing/2014/main" id="{E52A4CDB-36FF-BE72-5BD4-FB0B88486FA7}"/>
+                <a16:creationId xmlns:a16="http://schemas.microsoft.com/office/drawing/2014/main" id="{2FBE7A7E-F61C-B27B-98AF-FCC9D879E9DD}"/>
               </a:ext>
             </a:extLst>
           </p:cNvPr>
@@ -1131,7 +1131,7 @@
           <a:bodyPr/>
           <a:lstStyle/>
           <a:p>
-            <a:fld id="{160E5976-6072-4890-8745-DE0886821B06}" type="datetimeFigureOut">
+            <a:fld id="{2B3D59FE-91AD-41A2-A36F-71E7067026DB}" type="datetimeFigureOut">
               <a:rPr lang="zh-CN" altLang="en-US" smtClean="0"/>
               <a:t>2024/3/10</a:t>
             </a:fld>
@@ -1144,7 +1144,7 @@
           <p:cNvPr id="5" name="页脚占位符 4">
             <a:extLst>
               <a:ext uri="{FF2B5EF4-FFF2-40B4-BE49-F238E27FC236}">
-                <a16:creationId xmlns:a16="http://schemas.microsoft.com/office/drawing/2014/main" id="{77BBD2EB-25B7-F8E3-19A3-4F2D95AD5073}"/>
+                <a16:creationId xmlns:a16="http://schemas.microsoft.com/office/drawing/2014/main" id="{BCBD46F1-1ACD-7B43-EA94-4D82A5762643}"/>
               </a:ext>
             </a:extLst>
           </p:cNvPr>
@@ -1169,7 +1169,7 @@
           <p:cNvPr id="6" name="灯片编号占位符 5">
             <a:extLst>
               <a:ext uri="{FF2B5EF4-FFF2-40B4-BE49-F238E27FC236}">
-                <a16:creationId xmlns:a16="http://schemas.microsoft.com/office/drawing/2014/main" id="{6248E6B7-3A38-6CAF-A236-BED14D89027A}"/>
+                <a16:creationId xmlns:a16="http://schemas.microsoft.com/office/drawing/2014/main" id="{2E02E84D-C61D-DE44-3E14-E8767D42B63F}"/>
               </a:ext>
             </a:extLst>
           </p:cNvPr>
@@ -1185,7 +1185,7 @@
           <a:bodyPr/>
           <a:lstStyle/>
           <a:p>
-            <a:fld id="{DF5B50C6-63D2-4DDF-83AB-CCE1D7DDB77B}" type="slidenum">
+            <a:fld id="{008F7F3B-A61B-4262-AF4A-E18DC578ABB6}" type="slidenum">
               <a:rPr lang="zh-CN" altLang="en-US" smtClean="0"/>
               <a:t>‹#›</a:t>
             </a:fld>
@@ -1196,7 +1196,7 @@
     </p:spTree>
     <p:extLst>
       <p:ext uri="{BB962C8B-B14F-4D97-AF65-F5344CB8AC3E}">
-        <p14:creationId xmlns:p14="http://schemas.microsoft.com/office/powerpoint/2010/main" val="3435392535"/>
+        <p14:creationId xmlns:p14="http://schemas.microsoft.com/office/powerpoint/2010/main" val="4156449830"/>
       </p:ext>
     </p:extLst>
   </p:cSld>
@@ -1228,7 +1228,7 @@
           <p:cNvPr id="2" name="标题 1">
             <a:extLst>
               <a:ext uri="{FF2B5EF4-FFF2-40B4-BE49-F238E27FC236}">
-                <a16:creationId xmlns:a16="http://schemas.microsoft.com/office/drawing/2014/main" id="{2E5FA429-91CE-1CE1-0B48-D05FAE20DCF8}"/>
+                <a16:creationId xmlns:a16="http://schemas.microsoft.com/office/drawing/2014/main" id="{41E5FD3B-6ED5-BE58-1A85-47A3C79E4A0F}"/>
               </a:ext>
             </a:extLst>
           </p:cNvPr>
@@ -1256,7 +1256,7 @@
           <p:cNvPr id="3" name="内容占位符 2">
             <a:extLst>
               <a:ext uri="{FF2B5EF4-FFF2-40B4-BE49-F238E27FC236}">
-                <a16:creationId xmlns:a16="http://schemas.microsoft.com/office/drawing/2014/main" id="{2A6CC9CC-40C3-1E4E-3FD0-536CC974EDE7}"/>
+                <a16:creationId xmlns:a16="http://schemas.microsoft.com/office/drawing/2014/main" id="{C94F5F4A-830B-5CE1-D6F5-9372B7F7D888}"/>
               </a:ext>
             </a:extLst>
           </p:cNvPr>
@@ -1318,7 +1318,7 @@
           <p:cNvPr id="4" name="内容占位符 3">
             <a:extLst>
               <a:ext uri="{FF2B5EF4-FFF2-40B4-BE49-F238E27FC236}">
-                <a16:creationId xmlns:a16="http://schemas.microsoft.com/office/drawing/2014/main" id="{B6EFA5D8-93C1-7284-B829-14428E42A070}"/>
+                <a16:creationId xmlns:a16="http://schemas.microsoft.com/office/drawing/2014/main" id="{EA9866AC-7911-3016-5505-FBB27D7437AC}"/>
               </a:ext>
             </a:extLst>
           </p:cNvPr>
@@ -1380,7 +1380,7 @@
           <p:cNvPr id="5" name="日期占位符 4">
             <a:extLst>
               <a:ext uri="{FF2B5EF4-FFF2-40B4-BE49-F238E27FC236}">
-                <a16:creationId xmlns:a16="http://schemas.microsoft.com/office/drawing/2014/main" id="{E2A6D4E0-5FC5-F78E-C5D5-B1061B1B0183}"/>
+                <a16:creationId xmlns:a16="http://schemas.microsoft.com/office/drawing/2014/main" id="{E8889424-02E6-930E-9AFA-724B0132BC93}"/>
               </a:ext>
             </a:extLst>
           </p:cNvPr>
@@ -1396,7 +1396,7 @@
           <a:bodyPr/>
           <a:lstStyle/>
           <a:p>
-            <a:fld id="{160E5976-6072-4890-8745-DE0886821B06}" type="datetimeFigureOut">
+            <a:fld id="{2B3D59FE-91AD-41A2-A36F-71E7067026DB}" type="datetimeFigureOut">
               <a:rPr lang="zh-CN" altLang="en-US" smtClean="0"/>
               <a:t>2024/3/10</a:t>
             </a:fld>
@@ -1409,7 +1409,7 @@
           <p:cNvPr id="6" name="页脚占位符 5">
             <a:extLst>
               <a:ext uri="{FF2B5EF4-FFF2-40B4-BE49-F238E27FC236}">
-                <a16:creationId xmlns:a16="http://schemas.microsoft.com/office/drawing/2014/main" id="{284E6650-FACE-915D-7D8B-10FA4D90B000}"/>
+                <a16:creationId xmlns:a16="http://schemas.microsoft.com/office/drawing/2014/main" id="{727E7132-38A7-7916-6967-2308814EA15D}"/>
               </a:ext>
             </a:extLst>
           </p:cNvPr>
@@ -1434,7 +1434,7 @@
           <p:cNvPr id="7" name="灯片编号占位符 6">
             <a:extLst>
               <a:ext uri="{FF2B5EF4-FFF2-40B4-BE49-F238E27FC236}">
-                <a16:creationId xmlns:a16="http://schemas.microsoft.com/office/drawing/2014/main" id="{FF2C4205-A8C3-8F45-2D3D-21127D197D91}"/>
+                <a16:creationId xmlns:a16="http://schemas.microsoft.com/office/drawing/2014/main" id="{AB4C3BEF-2C8B-982C-9411-3CB617AEB05D}"/>
               </a:ext>
             </a:extLst>
           </p:cNvPr>
@@ -1450,7 +1450,7 @@
           <a:bodyPr/>
           <a:lstStyle/>
           <a:p>
-            <a:fld id="{DF5B50C6-63D2-4DDF-83AB-CCE1D7DDB77B}" type="slidenum">
+            <a:fld id="{008F7F3B-A61B-4262-AF4A-E18DC578ABB6}" type="slidenum">
               <a:rPr lang="zh-CN" altLang="en-US" smtClean="0"/>
               <a:t>‹#›</a:t>
             </a:fld>
@@ -1461,7 +1461,7 @@
     </p:spTree>
     <p:extLst>
       <p:ext uri="{BB962C8B-B14F-4D97-AF65-F5344CB8AC3E}">
-        <p14:creationId xmlns:p14="http://schemas.microsoft.com/office/powerpoint/2010/main" val="480326662"/>
+        <p14:creationId xmlns:p14="http://schemas.microsoft.com/office/powerpoint/2010/main" val="2977394866"/>
       </p:ext>
     </p:extLst>
   </p:cSld>
@@ -1493,7 +1493,7 @@
           <p:cNvPr id="2" name="标题 1">
             <a:extLst>
               <a:ext uri="{FF2B5EF4-FFF2-40B4-BE49-F238E27FC236}">
-                <a16:creationId xmlns:a16="http://schemas.microsoft.com/office/drawing/2014/main" id="{FA882FA9-E519-023F-C9B1-BFE18CF9C13A}"/>
+                <a16:creationId xmlns:a16="http://schemas.microsoft.com/office/drawing/2014/main" id="{612D2445-B24C-01F3-8863-7C1DA5D83D31}"/>
               </a:ext>
             </a:extLst>
           </p:cNvPr>
@@ -1526,7 +1526,7 @@
           <p:cNvPr id="3" name="文本占位符 2">
             <a:extLst>
               <a:ext uri="{FF2B5EF4-FFF2-40B4-BE49-F238E27FC236}">
-                <a16:creationId xmlns:a16="http://schemas.microsoft.com/office/drawing/2014/main" id="{D54A2FDA-5138-F88A-D73F-47FE938A5EA3}"/>
+                <a16:creationId xmlns:a16="http://schemas.microsoft.com/office/drawing/2014/main" id="{3B32C29E-E6EB-3F18-3BBE-8922784B857F}"/>
               </a:ext>
             </a:extLst>
           </p:cNvPr>
@@ -1597,7 +1597,7 @@
           <p:cNvPr id="4" name="内容占位符 3">
             <a:extLst>
               <a:ext uri="{FF2B5EF4-FFF2-40B4-BE49-F238E27FC236}">
-                <a16:creationId xmlns:a16="http://schemas.microsoft.com/office/drawing/2014/main" id="{07E7ABF8-E189-276B-8B57-AA5DD2561628}"/>
+                <a16:creationId xmlns:a16="http://schemas.microsoft.com/office/drawing/2014/main" id="{42988149-660A-71DF-8B83-453D2428DC77}"/>
               </a:ext>
             </a:extLst>
           </p:cNvPr>
@@ -1659,7 +1659,7 @@
           <p:cNvPr id="5" name="文本占位符 4">
             <a:extLst>
               <a:ext uri="{FF2B5EF4-FFF2-40B4-BE49-F238E27FC236}">
-                <a16:creationId xmlns:a16="http://schemas.microsoft.com/office/drawing/2014/main" id="{B01F53E7-40D3-DF68-5D13-E44150D68D90}"/>
+                <a16:creationId xmlns:a16="http://schemas.microsoft.com/office/drawing/2014/main" id="{DF6BDF39-247F-6D0B-59CF-DF39D16DEAA0}"/>
               </a:ext>
             </a:extLst>
           </p:cNvPr>
@@ -1730,7 +1730,7 @@
           <p:cNvPr id="6" name="内容占位符 5">
             <a:extLst>
               <a:ext uri="{FF2B5EF4-FFF2-40B4-BE49-F238E27FC236}">
-                <a16:creationId xmlns:a16="http://schemas.microsoft.com/office/drawing/2014/main" id="{0661F193-CBE6-7D4A-AF1D-05F181BE2614}"/>
+                <a16:creationId xmlns:a16="http://schemas.microsoft.com/office/drawing/2014/main" id="{1AC1E266-AD4C-6EED-4E8C-BA182F68970D}"/>
               </a:ext>
             </a:extLst>
           </p:cNvPr>
@@ -1792,7 +1792,7 @@
           <p:cNvPr id="7" name="日期占位符 6">
             <a:extLst>
               <a:ext uri="{FF2B5EF4-FFF2-40B4-BE49-F238E27FC236}">
-                <a16:creationId xmlns:a16="http://schemas.microsoft.com/office/drawing/2014/main" id="{96C8FF2A-0BB5-7BE2-0FBB-549A97419C5E}"/>
+                <a16:creationId xmlns:a16="http://schemas.microsoft.com/office/drawing/2014/main" id="{75D0AA68-F0F1-57E5-46E6-BFD9F7FD638B}"/>
               </a:ext>
             </a:extLst>
           </p:cNvPr>
@@ -1808,7 +1808,7 @@
           <a:bodyPr/>
           <a:lstStyle/>
           <a:p>
-            <a:fld id="{160E5976-6072-4890-8745-DE0886821B06}" type="datetimeFigureOut">
+            <a:fld id="{2B3D59FE-91AD-41A2-A36F-71E7067026DB}" type="datetimeFigureOut">
               <a:rPr lang="zh-CN" altLang="en-US" smtClean="0"/>
               <a:t>2024/3/10</a:t>
             </a:fld>
@@ -1821,7 +1821,7 @@
           <p:cNvPr id="8" name="页脚占位符 7">
             <a:extLst>
               <a:ext uri="{FF2B5EF4-FFF2-40B4-BE49-F238E27FC236}">
-                <a16:creationId xmlns:a16="http://schemas.microsoft.com/office/drawing/2014/main" id="{2C266042-CC84-8086-1EC3-6FFC0A779DCF}"/>
+                <a16:creationId xmlns:a16="http://schemas.microsoft.com/office/drawing/2014/main" id="{7DF67630-CEA4-421F-FDE7-55E8ADC49245}"/>
               </a:ext>
             </a:extLst>
           </p:cNvPr>
@@ -1846,7 +1846,7 @@
           <p:cNvPr id="9" name="灯片编号占位符 8">
             <a:extLst>
               <a:ext uri="{FF2B5EF4-FFF2-40B4-BE49-F238E27FC236}">
-                <a16:creationId xmlns:a16="http://schemas.microsoft.com/office/drawing/2014/main" id="{949B2DE3-BC4E-D83A-4CD1-8E77AE72F435}"/>
+                <a16:creationId xmlns:a16="http://schemas.microsoft.com/office/drawing/2014/main" id="{843366BB-D85E-DD3E-EA4A-9FDF23E4B07B}"/>
               </a:ext>
             </a:extLst>
           </p:cNvPr>
@@ -1862,7 +1862,7 @@
           <a:bodyPr/>
           <a:lstStyle/>
           <a:p>
-            <a:fld id="{DF5B50C6-63D2-4DDF-83AB-CCE1D7DDB77B}" type="slidenum">
+            <a:fld id="{008F7F3B-A61B-4262-AF4A-E18DC578ABB6}" type="slidenum">
               <a:rPr lang="zh-CN" altLang="en-US" smtClean="0"/>
               <a:t>‹#›</a:t>
             </a:fld>
@@ -1873,7 +1873,7 @@
     </p:spTree>
     <p:extLst>
       <p:ext uri="{BB962C8B-B14F-4D97-AF65-F5344CB8AC3E}">
-        <p14:creationId xmlns:p14="http://schemas.microsoft.com/office/powerpoint/2010/main" val="3457055365"/>
+        <p14:creationId xmlns:p14="http://schemas.microsoft.com/office/powerpoint/2010/main" val="691399922"/>
       </p:ext>
     </p:extLst>
   </p:cSld>
@@ -1905,7 +1905,7 @@
           <p:cNvPr id="2" name="标题 1">
             <a:extLst>
               <a:ext uri="{FF2B5EF4-FFF2-40B4-BE49-F238E27FC236}">
-                <a16:creationId xmlns:a16="http://schemas.microsoft.com/office/drawing/2014/main" id="{F80EB2BD-0910-B8B4-1E4C-36ACB9AAA0D7}"/>
+                <a16:creationId xmlns:a16="http://schemas.microsoft.com/office/drawing/2014/main" id="{F43E7426-DD52-E52E-BE0F-F212BAE9BE26}"/>
               </a:ext>
             </a:extLst>
           </p:cNvPr>
@@ -1933,7 +1933,7 @@
           <p:cNvPr id="3" name="日期占位符 2">
             <a:extLst>
               <a:ext uri="{FF2B5EF4-FFF2-40B4-BE49-F238E27FC236}">
-                <a16:creationId xmlns:a16="http://schemas.microsoft.com/office/drawing/2014/main" id="{FAE5A598-1DE2-BA87-2EA2-0C44816D544D}"/>
+                <a16:creationId xmlns:a16="http://schemas.microsoft.com/office/drawing/2014/main" id="{B6EC394E-BC89-B5FC-77B8-DFF97424F736}"/>
               </a:ext>
             </a:extLst>
           </p:cNvPr>
@@ -1949,7 +1949,7 @@
           <a:bodyPr/>
           <a:lstStyle/>
           <a:p>
-            <a:fld id="{160E5976-6072-4890-8745-DE0886821B06}" type="datetimeFigureOut">
+            <a:fld id="{2B3D59FE-91AD-41A2-A36F-71E7067026DB}" type="datetimeFigureOut">
               <a:rPr lang="zh-CN" altLang="en-US" smtClean="0"/>
               <a:t>2024/3/10</a:t>
             </a:fld>
@@ -1962,7 +1962,7 @@
           <p:cNvPr id="4" name="页脚占位符 3">
             <a:extLst>
               <a:ext uri="{FF2B5EF4-FFF2-40B4-BE49-F238E27FC236}">
-                <a16:creationId xmlns:a16="http://schemas.microsoft.com/office/drawing/2014/main" id="{240BB82E-8AC4-FC30-FD18-121050D1DC27}"/>
+                <a16:creationId xmlns:a16="http://schemas.microsoft.com/office/drawing/2014/main" id="{3C163DA9-30A5-5FD9-DE4E-BA8FCF041D12}"/>
               </a:ext>
             </a:extLst>
           </p:cNvPr>
@@ -1987,7 +1987,7 @@
           <p:cNvPr id="5" name="灯片编号占位符 4">
             <a:extLst>
               <a:ext uri="{FF2B5EF4-FFF2-40B4-BE49-F238E27FC236}">
-                <a16:creationId xmlns:a16="http://schemas.microsoft.com/office/drawing/2014/main" id="{FEFA6FFF-6AA8-7A3E-34A7-3A7E756827DB}"/>
+                <a16:creationId xmlns:a16="http://schemas.microsoft.com/office/drawing/2014/main" id="{2DF32371-904D-E594-8669-827FED05157A}"/>
               </a:ext>
             </a:extLst>
           </p:cNvPr>
@@ -2003,7 +2003,7 @@
           <a:bodyPr/>
           <a:lstStyle/>
           <a:p>
-            <a:fld id="{DF5B50C6-63D2-4DDF-83AB-CCE1D7DDB77B}" type="slidenum">
+            <a:fld id="{008F7F3B-A61B-4262-AF4A-E18DC578ABB6}" type="slidenum">
               <a:rPr lang="zh-CN" altLang="en-US" smtClean="0"/>
               <a:t>‹#›</a:t>
             </a:fld>
@@ -2014,7 +2014,7 @@
     </p:spTree>
     <p:extLst>
       <p:ext uri="{BB962C8B-B14F-4D97-AF65-F5344CB8AC3E}">
-        <p14:creationId xmlns:p14="http://schemas.microsoft.com/office/powerpoint/2010/main" val="1740180607"/>
+        <p14:creationId xmlns:p14="http://schemas.microsoft.com/office/powerpoint/2010/main" val="440053423"/>
       </p:ext>
     </p:extLst>
   </p:cSld>
@@ -2046,7 +2046,7 @@
           <p:cNvPr id="2" name="日期占位符 1">
             <a:extLst>
               <a:ext uri="{FF2B5EF4-FFF2-40B4-BE49-F238E27FC236}">
-                <a16:creationId xmlns:a16="http://schemas.microsoft.com/office/drawing/2014/main" id="{CDBA3FF3-B93C-23F9-A4AF-5ECEA68D0E24}"/>
+                <a16:creationId xmlns:a16="http://schemas.microsoft.com/office/drawing/2014/main" id="{B51C57FA-F898-B8F7-33E2-BA77F387AA9D}"/>
               </a:ext>
             </a:extLst>
           </p:cNvPr>
@@ -2062,7 +2062,7 @@
           <a:bodyPr/>
           <a:lstStyle/>
           <a:p>
-            <a:fld id="{160E5976-6072-4890-8745-DE0886821B06}" type="datetimeFigureOut">
+            <a:fld id="{2B3D59FE-91AD-41A2-A36F-71E7067026DB}" type="datetimeFigureOut">
               <a:rPr lang="zh-CN" altLang="en-US" smtClean="0"/>
               <a:t>2024/3/10</a:t>
             </a:fld>
@@ -2075,7 +2075,7 @@
           <p:cNvPr id="3" name="页脚占位符 2">
             <a:extLst>
               <a:ext uri="{FF2B5EF4-FFF2-40B4-BE49-F238E27FC236}">
-                <a16:creationId xmlns:a16="http://schemas.microsoft.com/office/drawing/2014/main" id="{C276DE93-EF88-31BD-BC5B-85B1CA5C0C7A}"/>
+                <a16:creationId xmlns:a16="http://schemas.microsoft.com/office/drawing/2014/main" id="{B3F9B0B9-ED0F-0BF8-46FA-F3726AF97047}"/>
               </a:ext>
             </a:extLst>
           </p:cNvPr>
@@ -2100,7 +2100,7 @@
           <p:cNvPr id="4" name="灯片编号占位符 3">
             <a:extLst>
               <a:ext uri="{FF2B5EF4-FFF2-40B4-BE49-F238E27FC236}">
-                <a16:creationId xmlns:a16="http://schemas.microsoft.com/office/drawing/2014/main" id="{85106A64-C5D4-03E0-6822-4B4CB0CDB70F}"/>
+                <a16:creationId xmlns:a16="http://schemas.microsoft.com/office/drawing/2014/main" id="{67943856-1E61-BCA1-9A57-8BA8E3A11432}"/>
               </a:ext>
             </a:extLst>
           </p:cNvPr>
@@ -2116,7 +2116,7 @@
           <a:bodyPr/>
           <a:lstStyle/>
           <a:p>
-            <a:fld id="{DF5B50C6-63D2-4DDF-83AB-CCE1D7DDB77B}" type="slidenum">
+            <a:fld id="{008F7F3B-A61B-4262-AF4A-E18DC578ABB6}" type="slidenum">
               <a:rPr lang="zh-CN" altLang="en-US" smtClean="0"/>
               <a:t>‹#›</a:t>
             </a:fld>
@@ -2127,7 +2127,7 @@
     </p:spTree>
     <p:extLst>
       <p:ext uri="{BB962C8B-B14F-4D97-AF65-F5344CB8AC3E}">
-        <p14:creationId xmlns:p14="http://schemas.microsoft.com/office/powerpoint/2010/main" val="878703067"/>
+        <p14:creationId xmlns:p14="http://schemas.microsoft.com/office/powerpoint/2010/main" val="2391429542"/>
       </p:ext>
     </p:extLst>
   </p:cSld>
@@ -2159,7 +2159,7 @@
           <p:cNvPr id="2" name="标题 1">
             <a:extLst>
               <a:ext uri="{FF2B5EF4-FFF2-40B4-BE49-F238E27FC236}">
-                <a16:creationId xmlns:a16="http://schemas.microsoft.com/office/drawing/2014/main" id="{13E3035D-9301-8110-F234-211AD2B5E1C3}"/>
+                <a16:creationId xmlns:a16="http://schemas.microsoft.com/office/drawing/2014/main" id="{83BC8ACF-6D77-27C5-E21C-C08D3A5108ED}"/>
               </a:ext>
             </a:extLst>
           </p:cNvPr>
@@ -2196,7 +2196,7 @@
           <p:cNvPr id="3" name="内容占位符 2">
             <a:extLst>
               <a:ext uri="{FF2B5EF4-FFF2-40B4-BE49-F238E27FC236}">
-                <a16:creationId xmlns:a16="http://schemas.microsoft.com/office/drawing/2014/main" id="{3B94F845-4AF1-A7E5-1E8E-F67EE5DA511B}"/>
+                <a16:creationId xmlns:a16="http://schemas.microsoft.com/office/drawing/2014/main" id="{66B785AF-A365-0432-B118-B279052EFAB0}"/>
               </a:ext>
             </a:extLst>
           </p:cNvPr>
@@ -2286,7 +2286,7 @@
           <p:cNvPr id="4" name="文本占位符 3">
             <a:extLst>
               <a:ext uri="{FF2B5EF4-FFF2-40B4-BE49-F238E27FC236}">
-                <a16:creationId xmlns:a16="http://schemas.microsoft.com/office/drawing/2014/main" id="{07E8F947-A9CB-71F2-2E73-48B518F2D4A0}"/>
+                <a16:creationId xmlns:a16="http://schemas.microsoft.com/office/drawing/2014/main" id="{10A9E3C6-3127-3BAB-63FD-EC319BE0F18D}"/>
               </a:ext>
             </a:extLst>
           </p:cNvPr>
@@ -2357,7 +2357,7 @@
           <p:cNvPr id="5" name="日期占位符 4">
             <a:extLst>
               <a:ext uri="{FF2B5EF4-FFF2-40B4-BE49-F238E27FC236}">
-                <a16:creationId xmlns:a16="http://schemas.microsoft.com/office/drawing/2014/main" id="{C369B695-9A45-AACC-4A1A-01EF53CD49B9}"/>
+                <a16:creationId xmlns:a16="http://schemas.microsoft.com/office/drawing/2014/main" id="{DA92DFAE-F558-90BD-7AAA-E56FDA0D789D}"/>
               </a:ext>
             </a:extLst>
           </p:cNvPr>
@@ -2373,7 +2373,7 @@
           <a:bodyPr/>
           <a:lstStyle/>
           <a:p>
-            <a:fld id="{160E5976-6072-4890-8745-DE0886821B06}" type="datetimeFigureOut">
+            <a:fld id="{2B3D59FE-91AD-41A2-A36F-71E7067026DB}" type="datetimeFigureOut">
               <a:rPr lang="zh-CN" altLang="en-US" smtClean="0"/>
               <a:t>2024/3/10</a:t>
             </a:fld>
@@ -2386,7 +2386,7 @@
           <p:cNvPr id="6" name="页脚占位符 5">
             <a:extLst>
               <a:ext uri="{FF2B5EF4-FFF2-40B4-BE49-F238E27FC236}">
-                <a16:creationId xmlns:a16="http://schemas.microsoft.com/office/drawing/2014/main" id="{BFAD6C1B-132D-1304-7B37-A2A1D52605F0}"/>
+                <a16:creationId xmlns:a16="http://schemas.microsoft.com/office/drawing/2014/main" id="{B92BDF41-9BDE-C205-6ECF-58B469072FD3}"/>
               </a:ext>
             </a:extLst>
           </p:cNvPr>
@@ -2411,7 +2411,7 @@
           <p:cNvPr id="7" name="灯片编号占位符 6">
             <a:extLst>
               <a:ext uri="{FF2B5EF4-FFF2-40B4-BE49-F238E27FC236}">
-                <a16:creationId xmlns:a16="http://schemas.microsoft.com/office/drawing/2014/main" id="{5B980594-D83F-FE4D-C55A-6294866CC8A2}"/>
+                <a16:creationId xmlns:a16="http://schemas.microsoft.com/office/drawing/2014/main" id="{E482D113-9D7B-2377-8EE7-C9C3DD2C19F2}"/>
               </a:ext>
             </a:extLst>
           </p:cNvPr>
@@ -2427,7 +2427,7 @@
           <a:bodyPr/>
           <a:lstStyle/>
           <a:p>
-            <a:fld id="{DF5B50C6-63D2-4DDF-83AB-CCE1D7DDB77B}" type="slidenum">
+            <a:fld id="{008F7F3B-A61B-4262-AF4A-E18DC578ABB6}" type="slidenum">
               <a:rPr lang="zh-CN" altLang="en-US" smtClean="0"/>
               <a:t>‹#›</a:t>
             </a:fld>
@@ -2438,7 +2438,7 @@
     </p:spTree>
     <p:extLst>
       <p:ext uri="{BB962C8B-B14F-4D97-AF65-F5344CB8AC3E}">
-        <p14:creationId xmlns:p14="http://schemas.microsoft.com/office/powerpoint/2010/main" val="3263939958"/>
+        <p14:creationId xmlns:p14="http://schemas.microsoft.com/office/powerpoint/2010/main" val="1452442542"/>
       </p:ext>
     </p:extLst>
   </p:cSld>
@@ -2470,7 +2470,7 @@
           <p:cNvPr id="2" name="标题 1">
             <a:extLst>
               <a:ext uri="{FF2B5EF4-FFF2-40B4-BE49-F238E27FC236}">
-                <a16:creationId xmlns:a16="http://schemas.microsoft.com/office/drawing/2014/main" id="{4B8EDCDD-F7F4-D5C9-48E3-62D0785E8B4D}"/>
+                <a16:creationId xmlns:a16="http://schemas.microsoft.com/office/drawing/2014/main" id="{BCD28250-E642-37C6-A9B7-90BCDF498C46}"/>
               </a:ext>
             </a:extLst>
           </p:cNvPr>
@@ -2507,7 +2507,7 @@
           <p:cNvPr id="3" name="图片占位符 2">
             <a:extLst>
               <a:ext uri="{FF2B5EF4-FFF2-40B4-BE49-F238E27FC236}">
-                <a16:creationId xmlns:a16="http://schemas.microsoft.com/office/drawing/2014/main" id="{E081A21B-2593-7839-ED22-BB7E17B83556}"/>
+                <a16:creationId xmlns:a16="http://schemas.microsoft.com/office/drawing/2014/main" id="{8FA43AE0-02B0-CC8D-FB44-7B19263F0EB8}"/>
               </a:ext>
             </a:extLst>
           </p:cNvPr>
@@ -2574,7 +2574,7 @@
           <p:cNvPr id="4" name="文本占位符 3">
             <a:extLst>
               <a:ext uri="{FF2B5EF4-FFF2-40B4-BE49-F238E27FC236}">
-                <a16:creationId xmlns:a16="http://schemas.microsoft.com/office/drawing/2014/main" id="{C4F954C5-92EB-8CB7-42E7-2DB73E4DFA58}"/>
+                <a16:creationId xmlns:a16="http://schemas.microsoft.com/office/drawing/2014/main" id="{2F63F70F-C135-9D55-2B2B-75AAD662783B}"/>
               </a:ext>
             </a:extLst>
           </p:cNvPr>
@@ -2645,7 +2645,7 @@
           <p:cNvPr id="5" name="日期占位符 4">
             <a:extLst>
               <a:ext uri="{FF2B5EF4-FFF2-40B4-BE49-F238E27FC236}">
-                <a16:creationId xmlns:a16="http://schemas.microsoft.com/office/drawing/2014/main" id="{8BD2E603-A0F6-CE3B-0C15-5C309A572EB2}"/>
+                <a16:creationId xmlns:a16="http://schemas.microsoft.com/office/drawing/2014/main" id="{DDE10482-FD74-3582-5EC6-F763E0CF312B}"/>
               </a:ext>
             </a:extLst>
           </p:cNvPr>
@@ -2661,7 +2661,7 @@
           <a:bodyPr/>
           <a:lstStyle/>
           <a:p>
-            <a:fld id="{160E5976-6072-4890-8745-DE0886821B06}" type="datetimeFigureOut">
+            <a:fld id="{2B3D59FE-91AD-41A2-A36F-71E7067026DB}" type="datetimeFigureOut">
               <a:rPr lang="zh-CN" altLang="en-US" smtClean="0"/>
               <a:t>2024/3/10</a:t>
             </a:fld>
@@ -2674,7 +2674,7 @@
           <p:cNvPr id="6" name="页脚占位符 5">
             <a:extLst>
               <a:ext uri="{FF2B5EF4-FFF2-40B4-BE49-F238E27FC236}">
-                <a16:creationId xmlns:a16="http://schemas.microsoft.com/office/drawing/2014/main" id="{7731AD65-3FEB-E01A-FC39-D38BD6CD4436}"/>
+                <a16:creationId xmlns:a16="http://schemas.microsoft.com/office/drawing/2014/main" id="{B247F4F1-911A-6394-BA40-72725039823A}"/>
               </a:ext>
             </a:extLst>
           </p:cNvPr>
@@ -2699,7 +2699,7 @@
           <p:cNvPr id="7" name="灯片编号占位符 6">
             <a:extLst>
               <a:ext uri="{FF2B5EF4-FFF2-40B4-BE49-F238E27FC236}">
-                <a16:creationId xmlns:a16="http://schemas.microsoft.com/office/drawing/2014/main" id="{7DE4B935-C423-F5FD-4683-38A0BDE315C0}"/>
+                <a16:creationId xmlns:a16="http://schemas.microsoft.com/office/drawing/2014/main" id="{E0A17FFD-A1A7-A2D7-EEDA-58D6DF60AEC8}"/>
               </a:ext>
             </a:extLst>
           </p:cNvPr>
@@ -2715,7 +2715,7 @@
           <a:bodyPr/>
           <a:lstStyle/>
           <a:p>
-            <a:fld id="{DF5B50C6-63D2-4DDF-83AB-CCE1D7DDB77B}" type="slidenum">
+            <a:fld id="{008F7F3B-A61B-4262-AF4A-E18DC578ABB6}" type="slidenum">
               <a:rPr lang="zh-CN" altLang="en-US" smtClean="0"/>
               <a:t>‹#›</a:t>
             </a:fld>
@@ -2726,7 +2726,7 @@
     </p:spTree>
     <p:extLst>
       <p:ext uri="{BB962C8B-B14F-4D97-AF65-F5344CB8AC3E}">
-        <p14:creationId xmlns:p14="http://schemas.microsoft.com/office/powerpoint/2010/main" val="1788295429"/>
+        <p14:creationId xmlns:p14="http://schemas.microsoft.com/office/powerpoint/2010/main" val="2656441689"/>
       </p:ext>
     </p:extLst>
   </p:cSld>
@@ -2763,7 +2763,7 @@
           <p:cNvPr id="2" name="标题占位符 1">
             <a:extLst>
               <a:ext uri="{FF2B5EF4-FFF2-40B4-BE49-F238E27FC236}">
-                <a16:creationId xmlns:a16="http://schemas.microsoft.com/office/drawing/2014/main" id="{75BB628D-8630-29F3-C1B0-ECFF620F5703}"/>
+                <a16:creationId xmlns:a16="http://schemas.microsoft.com/office/drawing/2014/main" id="{14D42559-143F-7193-25CD-BFF451F5B5BF}"/>
               </a:ext>
             </a:extLst>
           </p:cNvPr>
@@ -2801,7 +2801,7 @@
           <p:cNvPr id="3" name="文本占位符 2">
             <a:extLst>
               <a:ext uri="{FF2B5EF4-FFF2-40B4-BE49-F238E27FC236}">
-                <a16:creationId xmlns:a16="http://schemas.microsoft.com/office/drawing/2014/main" id="{0B099D54-460B-47ED-4F2A-ECF3D1AA3889}"/>
+                <a16:creationId xmlns:a16="http://schemas.microsoft.com/office/drawing/2014/main" id="{66D2D37A-DCE0-589D-DBE2-E4F1F449488C}"/>
               </a:ext>
             </a:extLst>
           </p:cNvPr>
@@ -2868,7 +2868,7 @@
           <p:cNvPr id="4" name="日期占位符 3">
             <a:extLst>
               <a:ext uri="{FF2B5EF4-FFF2-40B4-BE49-F238E27FC236}">
-                <a16:creationId xmlns:a16="http://schemas.microsoft.com/office/drawing/2014/main" id="{68B9F02A-B33A-977D-D784-D2C1742FBDCA}"/>
+                <a16:creationId xmlns:a16="http://schemas.microsoft.com/office/drawing/2014/main" id="{B08CDC1E-EE80-DF39-A31E-417ED6C541C7}"/>
               </a:ext>
             </a:extLst>
           </p:cNvPr>
@@ -2902,7 +2902,7 @@
             </a:lvl1pPr>
           </a:lstStyle>
           <a:p>
-            <a:fld id="{160E5976-6072-4890-8745-DE0886821B06}" type="datetimeFigureOut">
+            <a:fld id="{2B3D59FE-91AD-41A2-A36F-71E7067026DB}" type="datetimeFigureOut">
               <a:rPr lang="zh-CN" altLang="en-US" smtClean="0"/>
               <a:t>2024/3/10</a:t>
             </a:fld>
@@ -2915,7 +2915,7 @@
           <p:cNvPr id="5" name="页脚占位符 4">
             <a:extLst>
               <a:ext uri="{FF2B5EF4-FFF2-40B4-BE49-F238E27FC236}">
-                <a16:creationId xmlns:a16="http://schemas.microsoft.com/office/drawing/2014/main" id="{82D55590-5797-B8C0-956D-53344B7AC3F0}"/>
+                <a16:creationId xmlns:a16="http://schemas.microsoft.com/office/drawing/2014/main" id="{947950BC-1BA8-4AA6-8FC2-6854E26D1B3D}"/>
               </a:ext>
             </a:extLst>
           </p:cNvPr>
@@ -2958,7 +2958,7 @@
           <p:cNvPr id="6" name="灯片编号占位符 5">
             <a:extLst>
               <a:ext uri="{FF2B5EF4-FFF2-40B4-BE49-F238E27FC236}">
-                <a16:creationId xmlns:a16="http://schemas.microsoft.com/office/drawing/2014/main" id="{51FA01C2-8747-2572-3741-A942BD5C25C0}"/>
+                <a16:creationId xmlns:a16="http://schemas.microsoft.com/office/drawing/2014/main" id="{29FB070D-D650-73CE-5F8F-F3F801E9454C}"/>
               </a:ext>
             </a:extLst>
           </p:cNvPr>
@@ -2992,7 +2992,7 @@
             </a:lvl1pPr>
           </a:lstStyle>
           <a:p>
-            <a:fld id="{DF5B50C6-63D2-4DDF-83AB-CCE1D7DDB77B}" type="slidenum">
+            <a:fld id="{008F7F3B-A61B-4262-AF4A-E18DC578ABB6}" type="slidenum">
               <a:rPr lang="zh-CN" altLang="en-US" smtClean="0"/>
               <a:t>‹#›</a:t>
             </a:fld>
@@ -3003,7 +3003,7 @@
     </p:spTree>
     <p:extLst>
       <p:ext uri="{BB962C8B-B14F-4D97-AF65-F5344CB8AC3E}">
-        <p14:creationId xmlns:p14="http://schemas.microsoft.com/office/powerpoint/2010/main" val="3064312415"/>
+        <p14:creationId xmlns:p14="http://schemas.microsoft.com/office/powerpoint/2010/main" val="2364175384"/>
       </p:ext>
     </p:extLst>
   </p:cSld>
